--- a/AP_Java/Week6/Week6.pptx
+++ b/AP_Java/Week6/Week6.pptx
@@ -5,7 +5,7 @@
     <p:sldMasterId id="2147483725" r:id="rId1"/>
   </p:sldMasterIdLst>
   <p:notesMasterIdLst>
-    <p:notesMasterId r:id="rId22"/>
+    <p:notesMasterId r:id="rId26"/>
   </p:notesMasterIdLst>
   <p:sldIdLst>
     <p:sldId id="256" r:id="rId2"/>
@@ -26,8 +26,12 @@
     <p:sldId id="272" r:id="rId17"/>
     <p:sldId id="273" r:id="rId18"/>
     <p:sldId id="274" r:id="rId19"/>
-    <p:sldId id="275" r:id="rId20"/>
-    <p:sldId id="276" r:id="rId21"/>
+    <p:sldId id="277" r:id="rId20"/>
+    <p:sldId id="278" r:id="rId21"/>
+    <p:sldId id="275" r:id="rId22"/>
+    <p:sldId id="276" r:id="rId23"/>
+    <p:sldId id="279" r:id="rId24"/>
+    <p:sldId id="280" r:id="rId25"/>
   </p:sldIdLst>
   <p:sldSz cx="12192000" cy="6858000"/>
   <p:notesSz cx="6858000" cy="9144000"/>
@@ -216,7 +220,7 @@
           <a:p>
             <a:fld id="{5A2ECADD-808A-CE4B-BB9E-A1DFB5F9BFB9}" type="datetimeFigureOut">
               <a:rPr lang="en-US" smtClean="0"/>
-              <a:t>8/1/22</a:t>
+              <a:t>8/25/22</a:t>
             </a:fld>
             <a:endParaRPr lang="en-US"/>
           </a:p>
@@ -528,10 +532,15 @@
           <a:lstStyle/>
           <a:p>
             <a:r>
-              <a:rPr lang="en-US" dirty="0" err="1"/>
-              <a:t>ArrayInitialization.java</a:t>
-            </a:r>
-            <a:endParaRPr lang="en-US" dirty="0"/>
+              <a:rPr lang="en-US" dirty="0"/>
+              <a:t>11, 14, 17</a:t>
+            </a:r>
+          </a:p>
+          <a:p>
+            <a:r>
+              <a:rPr lang="en-US" dirty="0"/>
+              <a:t>11, 13, 15, 16, 17, 18</a:t>
+            </a:r>
           </a:p>
         </p:txBody>
       </p:sp>
@@ -552,7 +561,7 @@
           <a:p>
             <a:fld id="{212F48B7-8A77-3440-8EDE-E914923B2182}" type="slidenum">
               <a:rPr lang="en-US" smtClean="0"/>
-              <a:t>3</a:t>
+              <a:t>1</a:t>
             </a:fld>
             <a:endParaRPr lang="en-US"/>
           </a:p>
@@ -561,7 +570,7 @@
     </p:spTree>
     <p:extLst>
       <p:ext uri="{BB962C8B-B14F-4D97-AF65-F5344CB8AC3E}">
-        <p14:creationId xmlns:p14="http://schemas.microsoft.com/office/powerpoint/2010/main" val="4137552007"/>
+        <p14:creationId xmlns:p14="http://schemas.microsoft.com/office/powerpoint/2010/main" val="2697766230"/>
       </p:ext>
     </p:extLst>
   </p:cSld>
@@ -617,7 +626,7 @@
           <a:p>
             <a:r>
               <a:rPr lang="en-US" dirty="0" err="1"/>
-              <a:t>TraversingArray.java</a:t>
+              <a:t>ArrayInitialization.java</a:t>
             </a:r>
             <a:endParaRPr lang="en-US" dirty="0"/>
           </a:p>
@@ -640,7 +649,7 @@
           <a:p>
             <a:fld id="{212F48B7-8A77-3440-8EDE-E914923B2182}" type="slidenum">
               <a:rPr lang="en-US" smtClean="0"/>
-              <a:t>5</a:t>
+              <a:t>3</a:t>
             </a:fld>
             <a:endParaRPr lang="en-US"/>
           </a:p>
@@ -649,7 +658,7 @@
     </p:spTree>
     <p:extLst>
       <p:ext uri="{BB962C8B-B14F-4D97-AF65-F5344CB8AC3E}">
-        <p14:creationId xmlns:p14="http://schemas.microsoft.com/office/powerpoint/2010/main" val="3283854348"/>
+        <p14:creationId xmlns:p14="http://schemas.microsoft.com/office/powerpoint/2010/main" val="4137552007"/>
       </p:ext>
     </p:extLst>
   </p:cSld>
@@ -705,16 +714,92 @@
           <a:p>
             <a:r>
               <a:rPr lang="en-US" dirty="0" err="1"/>
-              <a:t>Deck.java</a:t>
-            </a:r>
-            <a:r>
-              <a:rPr lang="en-US" dirty="0"/>
-              <a:t>, </a:t>
-            </a:r>
-            <a:r>
-              <a:rPr lang="en-US" dirty="0" err="1"/>
-              <a:t>ManyDecks.java</a:t>
-            </a:r>
+              <a:t>TraversingArray.java</a:t>
+            </a:r>
+            <a:endParaRPr lang="en-US" dirty="0"/>
+          </a:p>
+        </p:txBody>
+      </p:sp>
+      <p:sp>
+        <p:nvSpPr>
+          <p:cNvPr id="4" name="Slide Number Placeholder 3"/>
+          <p:cNvSpPr>
+            <a:spLocks noGrp="1"/>
+          </p:cNvSpPr>
+          <p:nvPr>
+            <p:ph type="sldNum" sz="quarter" idx="5"/>
+          </p:nvPr>
+        </p:nvSpPr>
+        <p:spPr/>
+        <p:txBody>
+          <a:bodyPr/>
+          <a:lstStyle/>
+          <a:p>
+            <a:fld id="{212F48B7-8A77-3440-8EDE-E914923B2182}" type="slidenum">
+              <a:rPr lang="en-US" smtClean="0"/>
+              <a:t>5</a:t>
+            </a:fld>
+            <a:endParaRPr lang="en-US"/>
+          </a:p>
+        </p:txBody>
+      </p:sp>
+    </p:spTree>
+    <p:extLst>
+      <p:ext uri="{BB962C8B-B14F-4D97-AF65-F5344CB8AC3E}">
+        <p14:creationId xmlns:p14="http://schemas.microsoft.com/office/powerpoint/2010/main" val="3283854348"/>
+      </p:ext>
+    </p:extLst>
+  </p:cSld>
+  <p:clrMapOvr>
+    <a:masterClrMapping/>
+  </p:clrMapOvr>
+</p:notes>
+</file>
+
+<file path=ppt/notesSlides/notesSlide4.xml><?xml version="1.0" encoding="utf-8"?>
+<p:notes xmlns:a="http://schemas.openxmlformats.org/drawingml/2006/main" xmlns:r="http://schemas.openxmlformats.org/officeDocument/2006/relationships" xmlns:p="http://schemas.openxmlformats.org/presentationml/2006/main">
+  <p:cSld>
+    <p:spTree>
+      <p:nvGrpSpPr>
+        <p:cNvPr id="1" name=""/>
+        <p:cNvGrpSpPr/>
+        <p:nvPr/>
+      </p:nvGrpSpPr>
+      <p:grpSpPr>
+        <a:xfrm>
+          <a:off x="0" y="0"/>
+          <a:ext cx="0" cy="0"/>
+          <a:chOff x="0" y="0"/>
+          <a:chExt cx="0" cy="0"/>
+        </a:xfrm>
+      </p:grpSpPr>
+      <p:sp>
+        <p:nvSpPr>
+          <p:cNvPr id="2" name="Slide Image Placeholder 1"/>
+          <p:cNvSpPr>
+            <a:spLocks noGrp="1" noRot="1" noChangeAspect="1"/>
+          </p:cNvSpPr>
+          <p:nvPr>
+            <p:ph type="sldImg"/>
+          </p:nvPr>
+        </p:nvSpPr>
+        <p:spPr/>
+      </p:sp>
+      <p:sp>
+        <p:nvSpPr>
+          <p:cNvPr id="3" name="Notes Placeholder 2"/>
+          <p:cNvSpPr>
+            <a:spLocks noGrp="1"/>
+          </p:cNvSpPr>
+          <p:nvPr>
+            <p:ph type="body" idx="1"/>
+          </p:nvPr>
+        </p:nvSpPr>
+        <p:spPr/>
+        <p:txBody>
+          <a:bodyPr/>
+          <a:lstStyle/>
+          <a:p>
             <a:endParaRPr lang="en-US" dirty="0"/>
           </a:p>
         </p:txBody>
@@ -746,6 +831,261 @@
     <p:extLst>
       <p:ext uri="{BB962C8B-B14F-4D97-AF65-F5344CB8AC3E}">
         <p14:creationId xmlns:p14="http://schemas.microsoft.com/office/powerpoint/2010/main" val="1360950434"/>
+      </p:ext>
+    </p:extLst>
+  </p:cSld>
+  <p:clrMapOvr>
+    <a:masterClrMapping/>
+  </p:clrMapOvr>
+</p:notes>
+</file>
+
+<file path=ppt/notesSlides/notesSlide5.xml><?xml version="1.0" encoding="utf-8"?>
+<p:notes xmlns:a="http://schemas.openxmlformats.org/drawingml/2006/main" xmlns:r="http://schemas.openxmlformats.org/officeDocument/2006/relationships" xmlns:p="http://schemas.openxmlformats.org/presentationml/2006/main">
+  <p:cSld>
+    <p:spTree>
+      <p:nvGrpSpPr>
+        <p:cNvPr id="1" name=""/>
+        <p:cNvGrpSpPr/>
+        <p:nvPr/>
+      </p:nvGrpSpPr>
+      <p:grpSpPr>
+        <a:xfrm>
+          <a:off x="0" y="0"/>
+          <a:ext cx="0" cy="0"/>
+          <a:chOff x="0" y="0"/>
+          <a:chExt cx="0" cy="0"/>
+        </a:xfrm>
+      </p:grpSpPr>
+      <p:sp>
+        <p:nvSpPr>
+          <p:cNvPr id="2" name="Slide Image Placeholder 1"/>
+          <p:cNvSpPr>
+            <a:spLocks noGrp="1" noRot="1" noChangeAspect="1"/>
+          </p:cNvSpPr>
+          <p:nvPr>
+            <p:ph type="sldImg"/>
+          </p:nvPr>
+        </p:nvSpPr>
+        <p:spPr/>
+      </p:sp>
+      <p:sp>
+        <p:nvSpPr>
+          <p:cNvPr id="3" name="Notes Placeholder 2"/>
+          <p:cNvSpPr>
+            <a:spLocks noGrp="1"/>
+          </p:cNvSpPr>
+          <p:nvPr>
+            <p:ph type="body" idx="1"/>
+          </p:nvPr>
+        </p:nvSpPr>
+        <p:spPr/>
+        <p:txBody>
+          <a:bodyPr/>
+          <a:lstStyle/>
+          <a:p>
+            <a:endParaRPr lang="en-US" dirty="0"/>
+          </a:p>
+        </p:txBody>
+      </p:sp>
+      <p:sp>
+        <p:nvSpPr>
+          <p:cNvPr id="4" name="Slide Number Placeholder 3"/>
+          <p:cNvSpPr>
+            <a:spLocks noGrp="1"/>
+          </p:cNvSpPr>
+          <p:nvPr>
+            <p:ph type="sldNum" sz="quarter" idx="5"/>
+          </p:nvPr>
+        </p:nvSpPr>
+        <p:spPr/>
+        <p:txBody>
+          <a:bodyPr/>
+          <a:lstStyle/>
+          <a:p>
+            <a:fld id="{212F48B7-8A77-3440-8EDE-E914923B2182}" type="slidenum">
+              <a:rPr lang="en-US" smtClean="0"/>
+              <a:t>11</a:t>
+            </a:fld>
+            <a:endParaRPr lang="en-US"/>
+          </a:p>
+        </p:txBody>
+      </p:sp>
+    </p:spTree>
+    <p:extLst>
+      <p:ext uri="{BB962C8B-B14F-4D97-AF65-F5344CB8AC3E}">
+        <p14:creationId xmlns:p14="http://schemas.microsoft.com/office/powerpoint/2010/main" val="3073641073"/>
+      </p:ext>
+    </p:extLst>
+  </p:cSld>
+  <p:clrMapOvr>
+    <a:masterClrMapping/>
+  </p:clrMapOvr>
+</p:notes>
+</file>
+
+<file path=ppt/notesSlides/notesSlide6.xml><?xml version="1.0" encoding="utf-8"?>
+<p:notes xmlns:a="http://schemas.openxmlformats.org/drawingml/2006/main" xmlns:r="http://schemas.openxmlformats.org/officeDocument/2006/relationships" xmlns:p="http://schemas.openxmlformats.org/presentationml/2006/main">
+  <p:cSld>
+    <p:spTree>
+      <p:nvGrpSpPr>
+        <p:cNvPr id="1" name=""/>
+        <p:cNvGrpSpPr/>
+        <p:nvPr/>
+      </p:nvGrpSpPr>
+      <p:grpSpPr>
+        <a:xfrm>
+          <a:off x="0" y="0"/>
+          <a:ext cx="0" cy="0"/>
+          <a:chOff x="0" y="0"/>
+          <a:chExt cx="0" cy="0"/>
+        </a:xfrm>
+      </p:grpSpPr>
+      <p:sp>
+        <p:nvSpPr>
+          <p:cNvPr id="2" name="Slide Image Placeholder 1"/>
+          <p:cNvSpPr>
+            <a:spLocks noGrp="1" noRot="1" noChangeAspect="1"/>
+          </p:cNvSpPr>
+          <p:nvPr>
+            <p:ph type="sldImg"/>
+          </p:nvPr>
+        </p:nvSpPr>
+        <p:spPr/>
+      </p:sp>
+      <p:sp>
+        <p:nvSpPr>
+          <p:cNvPr id="3" name="Notes Placeholder 2"/>
+          <p:cNvSpPr>
+            <a:spLocks noGrp="1"/>
+          </p:cNvSpPr>
+          <p:nvPr>
+            <p:ph type="body" idx="1"/>
+          </p:nvPr>
+        </p:nvSpPr>
+        <p:spPr/>
+        <p:txBody>
+          <a:bodyPr/>
+          <a:lstStyle/>
+          <a:p>
+            <a:endParaRPr lang="en-US" dirty="0"/>
+          </a:p>
+        </p:txBody>
+      </p:sp>
+      <p:sp>
+        <p:nvSpPr>
+          <p:cNvPr id="4" name="Slide Number Placeholder 3"/>
+          <p:cNvSpPr>
+            <a:spLocks noGrp="1"/>
+          </p:cNvSpPr>
+          <p:nvPr>
+            <p:ph type="sldNum" sz="quarter" idx="5"/>
+          </p:nvPr>
+        </p:nvSpPr>
+        <p:spPr/>
+        <p:txBody>
+          <a:bodyPr/>
+          <a:lstStyle/>
+          <a:p>
+            <a:fld id="{212F48B7-8A77-3440-8EDE-E914923B2182}" type="slidenum">
+              <a:rPr lang="en-US" smtClean="0"/>
+              <a:t>12</a:t>
+            </a:fld>
+            <a:endParaRPr lang="en-US"/>
+          </a:p>
+        </p:txBody>
+      </p:sp>
+    </p:spTree>
+    <p:extLst>
+      <p:ext uri="{BB962C8B-B14F-4D97-AF65-F5344CB8AC3E}">
+        <p14:creationId xmlns:p14="http://schemas.microsoft.com/office/powerpoint/2010/main" val="1728673669"/>
+      </p:ext>
+    </p:extLst>
+  </p:cSld>
+  <p:clrMapOvr>
+    <a:masterClrMapping/>
+  </p:clrMapOvr>
+</p:notes>
+</file>
+
+<file path=ppt/notesSlides/notesSlide7.xml><?xml version="1.0" encoding="utf-8"?>
+<p:notes xmlns:a="http://schemas.openxmlformats.org/drawingml/2006/main" xmlns:r="http://schemas.openxmlformats.org/officeDocument/2006/relationships" xmlns:p="http://schemas.openxmlformats.org/presentationml/2006/main">
+  <p:cSld>
+    <p:spTree>
+      <p:nvGrpSpPr>
+        <p:cNvPr id="1" name=""/>
+        <p:cNvGrpSpPr/>
+        <p:nvPr/>
+      </p:nvGrpSpPr>
+      <p:grpSpPr>
+        <a:xfrm>
+          <a:off x="0" y="0"/>
+          <a:ext cx="0" cy="0"/>
+          <a:chOff x="0" y="0"/>
+          <a:chExt cx="0" cy="0"/>
+        </a:xfrm>
+      </p:grpSpPr>
+      <p:sp>
+        <p:nvSpPr>
+          <p:cNvPr id="2" name="Slide Image Placeholder 1"/>
+          <p:cNvSpPr>
+            <a:spLocks noGrp="1" noRot="1" noChangeAspect="1"/>
+          </p:cNvSpPr>
+          <p:nvPr>
+            <p:ph type="sldImg"/>
+          </p:nvPr>
+        </p:nvSpPr>
+        <p:spPr/>
+      </p:sp>
+      <p:sp>
+        <p:nvSpPr>
+          <p:cNvPr id="3" name="Notes Placeholder 2"/>
+          <p:cNvSpPr>
+            <a:spLocks noGrp="1"/>
+          </p:cNvSpPr>
+          <p:nvPr>
+            <p:ph type="body" idx="1"/>
+          </p:nvPr>
+        </p:nvSpPr>
+        <p:spPr/>
+        <p:txBody>
+          <a:bodyPr/>
+          <a:lstStyle/>
+          <a:p>
+            <a:r>
+              <a:rPr lang="en-US" dirty="0"/>
+              <a:t>Ryan show sample code</a:t>
+            </a:r>
+          </a:p>
+        </p:txBody>
+      </p:sp>
+      <p:sp>
+        <p:nvSpPr>
+          <p:cNvPr id="4" name="Slide Number Placeholder 3"/>
+          <p:cNvSpPr>
+            <a:spLocks noGrp="1"/>
+          </p:cNvSpPr>
+          <p:nvPr>
+            <p:ph type="sldNum" sz="quarter" idx="5"/>
+          </p:nvPr>
+        </p:nvSpPr>
+        <p:spPr/>
+        <p:txBody>
+          <a:bodyPr/>
+          <a:lstStyle/>
+          <a:p>
+            <a:fld id="{212F48B7-8A77-3440-8EDE-E914923B2182}" type="slidenum">
+              <a:rPr lang="en-US" smtClean="0"/>
+              <a:t>20</a:t>
+            </a:fld>
+            <a:endParaRPr lang="en-US"/>
+          </a:p>
+        </p:txBody>
+      </p:sp>
+    </p:spTree>
+    <p:extLst>
+      <p:ext uri="{BB962C8B-B14F-4D97-AF65-F5344CB8AC3E}">
+        <p14:creationId xmlns:p14="http://schemas.microsoft.com/office/powerpoint/2010/main" val="479623233"/>
       </p:ext>
     </p:extLst>
   </p:cSld>
@@ -904,7 +1244,7 @@
           <a:p>
             <a:fld id="{C43A76A3-ADC8-4477-8FC1-B9DD55D84908}" type="datetime1">
               <a:rPr lang="en-US" smtClean="0"/>
-              <a:t>8/1/22</a:t>
+              <a:t>8/25/22</a:t>
             </a:fld>
             <a:endParaRPr lang="en-US" dirty="0"/>
           </a:p>
@@ -1102,7 +1442,7 @@
           <a:p>
             <a:fld id="{D6762538-DC4D-4667-96E5-B3278DDF8B12}" type="datetime1">
               <a:rPr lang="en-US" smtClean="0"/>
-              <a:t>8/1/22</a:t>
+              <a:t>8/25/22</a:t>
             </a:fld>
             <a:endParaRPr lang="en-US"/>
           </a:p>
@@ -1310,7 +1650,7 @@
           <a:p>
             <a:fld id="{05880548-5C08-4BE3-B63E-F2BB63B0B00C}" type="datetime1">
               <a:rPr lang="en-US" smtClean="0"/>
-              <a:t>8/1/22</a:t>
+              <a:t>8/25/22</a:t>
             </a:fld>
             <a:endParaRPr lang="en-US"/>
           </a:p>
@@ -1508,7 +1848,7 @@
           <a:p>
             <a:fld id="{DE7F49BE-398D-479A-8A7E-5DDBCA61EDCB}" type="datetime1">
               <a:rPr lang="en-US" smtClean="0"/>
-              <a:t>8/1/22</a:t>
+              <a:t>8/25/22</a:t>
             </a:fld>
             <a:endParaRPr lang="en-US"/>
           </a:p>
@@ -1784,7 +2124,7 @@
           <a:p>
             <a:fld id="{CCD0C193-4974-4A1F-9C63-07D595E30D66}" type="datetime1">
               <a:rPr lang="en-US" smtClean="0"/>
-              <a:t>8/1/22</a:t>
+              <a:t>8/25/22</a:t>
             </a:fld>
             <a:endParaRPr lang="en-US"/>
           </a:p>
@@ -2051,7 +2391,7 @@
           <a:p>
             <a:fld id="{701AA87F-28D4-4BF0-B81F-877A89DFD5AC}" type="datetime1">
               <a:rPr lang="en-US" smtClean="0"/>
-              <a:t>8/1/22</a:t>
+              <a:t>8/25/22</a:t>
             </a:fld>
             <a:endParaRPr lang="en-US"/>
           </a:p>
@@ -2465,7 +2805,7 @@
           <a:p>
             <a:fld id="{A8A9F1F3-208B-49A3-B337-9C8ACEB3E0E1}" type="datetime1">
               <a:rPr lang="en-US" smtClean="0"/>
-              <a:t>8/1/22</a:t>
+              <a:t>8/25/22</a:t>
             </a:fld>
             <a:endParaRPr lang="en-US"/>
           </a:p>
@@ -2612,7 +2952,7 @@
           <a:p>
             <a:fld id="{27AF6CA6-7293-4AA2-A0E0-A3BF4416E786}" type="datetime1">
               <a:rPr lang="en-US" smtClean="0"/>
-              <a:t>8/1/22</a:t>
+              <a:t>8/25/22</a:t>
             </a:fld>
             <a:endParaRPr lang="en-US"/>
           </a:p>
@@ -2725,7 +3065,7 @@
           <a:p>
             <a:fld id="{98D87016-7BCD-46FB-8EE3-AB6C369108B4}" type="datetime1">
               <a:rPr lang="en-US" smtClean="0"/>
-              <a:t>8/1/22</a:t>
+              <a:t>8/25/22</a:t>
             </a:fld>
             <a:endParaRPr lang="en-US"/>
           </a:p>
@@ -3044,7 +3384,7 @@
           <a:p>
             <a:fld id="{A1547011-1FFC-4EF8-9A2E-53B4AD2ADBD4}" type="datetime1">
               <a:rPr lang="en-US" smtClean="0"/>
-              <a:t>8/1/22</a:t>
+              <a:t>8/25/22</a:t>
             </a:fld>
             <a:endParaRPr lang="en-US"/>
           </a:p>
@@ -3339,7 +3679,7 @@
           <a:p>
             <a:fld id="{9562EB47-45B4-4EF5-A743-B4885DD2F060}" type="datetime1">
               <a:rPr lang="en-US" smtClean="0"/>
-              <a:t>8/1/22</a:t>
+              <a:t>8/25/22</a:t>
             </a:fld>
             <a:endParaRPr lang="en-US"/>
           </a:p>
@@ -4724,7 +5064,7 @@
           <a:p>
             <a:fld id="{4A8D24A4-5FEC-4062-8995-EB21925B3B40}" type="datetime1">
               <a:rPr lang="en-US" smtClean="0"/>
-              <a:t>8/1/22</a:t>
+              <a:t>8/25/22</a:t>
             </a:fld>
             <a:endParaRPr lang="en-US" sz="1000" dirty="0"/>
           </a:p>
@@ -5430,7 +5770,7 @@
           <p:nvPr/>
         </p:nvPicPr>
         <p:blipFill rotWithShape="1">
-          <a:blip r:embed="rId2">
+          <a:blip r:embed="rId4">
             <a:alphaModFix amt="40000"/>
           </a:blip>
           <a:srcRect t="36604" r="-1" b="-1"/>
@@ -6053,6 +6393,69 @@
           </a:p>
         </p:txBody>
       </p:sp>
+      <p:graphicFrame>
+        <p:nvGraphicFramePr>
+          <p:cNvPr id="5" name="Object 4">
+            <a:extLst>
+              <a:ext uri="{FF2B5EF4-FFF2-40B4-BE49-F238E27FC236}">
+                <a16:creationId xmlns:a16="http://schemas.microsoft.com/office/drawing/2014/main" id="{E81EAC6C-5CA3-8748-B572-3E511F656476}"/>
+              </a:ext>
+            </a:extLst>
+          </p:cNvPr>
+          <p:cNvGraphicFramePr>
+            <a:graphicFrameLocks noChangeAspect="1"/>
+          </p:cNvGraphicFramePr>
+          <p:nvPr>
+            <p:extLst>
+              <p:ext uri="{D42A27DB-BD31-4B8C-83A1-F6EECF244321}">
+                <p14:modId xmlns:p14="http://schemas.microsoft.com/office/powerpoint/2010/main" val="504567155"/>
+              </p:ext>
+            </p:extLst>
+          </p:nvPr>
+        </p:nvGraphicFramePr>
+        <p:xfrm>
+          <a:off x="2889250" y="704850"/>
+          <a:ext cx="6413500" cy="5448300"/>
+        </p:xfrm>
+        <a:graphic>
+          <a:graphicData uri="http://schemas.openxmlformats.org/presentationml/2006/ole">
+            <mc:AlternateContent xmlns:mc="http://schemas.openxmlformats.org/markup-compatibility/2006">
+              <mc:Choice xmlns:v="urn:schemas-microsoft-com:vml" Requires="v">
+                <p:oleObj spid="_x0000_s1025" name="Document" r:id="rId5" imgW="6413500" imgH="5448300" progId="Word.Document.12">
+                  <p:embed/>
+                </p:oleObj>
+              </mc:Choice>
+              <mc:Fallback>
+                <p:oleObj name="Document" r:id="rId5" imgW="6413500" imgH="5448300" progId="Word.Document.12">
+                  <p:embed/>
+                  <p:pic>
+                    <p:nvPicPr>
+                      <p:cNvPr id="0" name=""/>
+                      <p:cNvPicPr/>
+                      <p:nvPr/>
+                    </p:nvPicPr>
+                    <p:blipFill>
+                      <a:blip r:embed="rId6"/>
+                      <a:stretch>
+                        <a:fillRect/>
+                      </a:stretch>
+                    </p:blipFill>
+                    <p:spPr>
+                      <a:xfrm>
+                        <a:off x="2889250" y="704850"/>
+                        <a:ext cx="6413500" cy="5448300"/>
+                      </a:xfrm>
+                      <a:prstGeom prst="rect">
+                        <a:avLst/>
+                      </a:prstGeom>
+                    </p:spPr>
+                  </p:pic>
+                </p:oleObj>
+              </mc:Fallback>
+            </mc:AlternateContent>
+          </a:graphicData>
+        </a:graphic>
+      </p:graphicFrame>
     </p:spTree>
     <p:extLst>
       <p:ext uri="{BB962C8B-B14F-4D97-AF65-F5344CB8AC3E}">
@@ -6407,7 +6810,7 @@
           <p:nvPr/>
         </p:nvPicPr>
         <p:blipFill>
-          <a:blip r:embed="rId2"/>
+          <a:blip r:embed="rId3"/>
           <a:stretch>
             <a:fillRect/>
           </a:stretch>
@@ -7042,7 +7445,64 @@
                 <a:spcPct val="150000"/>
               </a:lnSpc>
             </a:pPr>
-            <a:endParaRPr lang="en-US" sz="2400" dirty="0"/>
+            <a:r>
+              <a:rPr lang="en-US" sz="2400" dirty="0"/>
+              <a:t>An </a:t>
+            </a:r>
+            <a:r>
+              <a:rPr lang="en-US" sz="2400" dirty="0" err="1"/>
+              <a:t>ArrayList</a:t>
+            </a:r>
+            <a:r>
+              <a:rPr lang="en-US" sz="2400" dirty="0"/>
+              <a:t> shrinks and grows as needed in a program; an array has a fixed length that is set when the array is created</a:t>
+            </a:r>
+          </a:p>
+          <a:p>
+            <a:pPr>
+              <a:lnSpc>
+                <a:spcPct val="150000"/>
+              </a:lnSpc>
+            </a:pPr>
+            <a:r>
+              <a:rPr lang="en-US" sz="2400" dirty="0"/>
+              <a:t>In an </a:t>
+            </a:r>
+            <a:r>
+              <a:rPr lang="en-US" sz="2400" dirty="0" err="1"/>
+              <a:t>ArrayList</a:t>
+            </a:r>
+            <a:r>
+              <a:rPr lang="en-US" sz="2400" dirty="0"/>
+              <a:t> list, the last element is always </a:t>
+            </a:r>
+            <a:r>
+              <a:rPr lang="en-US" sz="2400" dirty="0" err="1"/>
+              <a:t>list.size</a:t>
+            </a:r>
+            <a:r>
+              <a:rPr lang="en-US" sz="2400" dirty="0"/>
+              <a:t>()-1; if an array is partially filled, then as programmers, we have to keep track of the index of the last element</a:t>
+            </a:r>
+          </a:p>
+          <a:p>
+            <a:pPr>
+              <a:lnSpc>
+                <a:spcPct val="150000"/>
+              </a:lnSpc>
+            </a:pPr>
+            <a:r>
+              <a:rPr lang="en-US" sz="2400" dirty="0"/>
+              <a:t>There is a single statement for insertion and deletion with </a:t>
+            </a:r>
+            <a:r>
+              <a:rPr lang="en-US" sz="2400" dirty="0" err="1"/>
+              <a:t>ArrayList</a:t>
+            </a:r>
+            <a:r>
+              <a:rPr lang="en-US" sz="2400" dirty="0"/>
+              <a:t>; insertion and deletion in array requires us to write the code that shifts elements</a:t>
+            </a:r>
           </a:p>
         </p:txBody>
       </p:sp>
@@ -7097,7 +7557,10 @@
           <a:bodyPr/>
           <a:lstStyle/>
           <a:p>
-            <a:endParaRPr lang="en-US"/>
+            <a:r>
+              <a:rPr lang="en-US" dirty="0"/>
+              <a:t>The Collections API</a:t>
+            </a:r>
           </a:p>
         </p:txBody>
       </p:sp>
@@ -7131,7 +7594,67 @@
             </a:pPr>
             <a:r>
               <a:rPr lang="en-US" sz="2400" dirty="0"/>
-              <a:t>hi</a:t>
+              <a:t>The </a:t>
+            </a:r>
+            <a:r>
+              <a:rPr lang="en-US" sz="2400" dirty="0" err="1"/>
+              <a:t>ArrayList</a:t>
+            </a:r>
+            <a:r>
+              <a:rPr lang="en-US" sz="2400" dirty="0"/>
+              <a:t> class is in the Collections API(Application Programming Interface), provided by Java</a:t>
+            </a:r>
+          </a:p>
+          <a:p>
+            <a:pPr>
+              <a:lnSpc>
+                <a:spcPct val="150000"/>
+              </a:lnSpc>
+            </a:pPr>
+            <a:r>
+              <a:rPr lang="en-US" sz="2400" dirty="0"/>
+              <a:t>Every class, including </a:t>
+            </a:r>
+            <a:r>
+              <a:rPr lang="en-US" sz="2400" dirty="0" err="1"/>
+              <a:t>ArrayList</a:t>
+            </a:r>
+            <a:r>
+              <a:rPr lang="en-US" sz="2400" dirty="0"/>
+              <a:t> from the Collections API has the following features:</a:t>
+            </a:r>
+          </a:p>
+          <a:p>
+            <a:pPr lvl="1">
+              <a:lnSpc>
+                <a:spcPct val="150000"/>
+              </a:lnSpc>
+            </a:pPr>
+            <a:r>
+              <a:rPr lang="en-US" sz="2200" dirty="0"/>
+              <a:t>Memory and run-time efficient</a:t>
+            </a:r>
+          </a:p>
+          <a:p>
+            <a:pPr lvl="1">
+              <a:lnSpc>
+                <a:spcPct val="150000"/>
+              </a:lnSpc>
+            </a:pPr>
+            <a:r>
+              <a:rPr lang="en-US" sz="2200" dirty="0"/>
+              <a:t>Have methods for insertion and removal of items</a:t>
+            </a:r>
+          </a:p>
+          <a:p>
+            <a:pPr lvl="1">
+              <a:lnSpc>
+                <a:spcPct val="150000"/>
+              </a:lnSpc>
+            </a:pPr>
+            <a:r>
+              <a:rPr lang="en-US" sz="2200" dirty="0"/>
+              <a:t>have default ways of iteration over the entire collection</a:t>
             </a:r>
           </a:p>
         </p:txBody>
@@ -7187,7 +7710,10 @@
           <a:bodyPr/>
           <a:lstStyle/>
           <a:p>
-            <a:endParaRPr lang="en-US"/>
+            <a:r>
+              <a:rPr lang="en-US" dirty="0"/>
+              <a:t>The Collections Hierarchy</a:t>
+            </a:r>
           </a:p>
         </p:txBody>
       </p:sp>
@@ -7207,7 +7733,12 @@
             <p:ph idx="1"/>
           </p:nvPr>
         </p:nvSpPr>
-        <p:spPr/>
+        <p:spPr>
+          <a:xfrm>
+            <a:off x="777240" y="1825625"/>
+            <a:ext cx="5911427" cy="4351338"/>
+          </a:xfrm>
+        </p:spPr>
         <p:txBody>
           <a:bodyPr>
             <a:normAutofit/>
@@ -7221,11 +7752,52 @@
             </a:pPr>
             <a:r>
               <a:rPr lang="en-US" sz="2400" dirty="0"/>
-              <a:t>hi</a:t>
-            </a:r>
-          </a:p>
-        </p:txBody>
-      </p:sp>
+              <a:t>Inheritance is a defining feature of the Collections API</a:t>
+            </a:r>
+          </a:p>
+          <a:p>
+            <a:pPr>
+              <a:lnSpc>
+                <a:spcPct val="150000"/>
+              </a:lnSpc>
+            </a:pPr>
+            <a:r>
+              <a:rPr lang="en-US" sz="2400" dirty="0"/>
+              <a:t>The interfaces that are used to manipulate the collections specify operations that must be defined for any container class that implements the interface </a:t>
+            </a:r>
+          </a:p>
+        </p:txBody>
+      </p:sp>
+      <p:pic>
+        <p:nvPicPr>
+          <p:cNvPr id="4" name="Picture 3">
+            <a:extLst>
+              <a:ext uri="{FF2B5EF4-FFF2-40B4-BE49-F238E27FC236}">
+                <a16:creationId xmlns:a16="http://schemas.microsoft.com/office/drawing/2014/main" id="{08EF8AB7-1868-7043-954C-9DA4BA5CAD9C}"/>
+              </a:ext>
+            </a:extLst>
+          </p:cNvPr>
+          <p:cNvPicPr>
+            <a:picLocks noChangeAspect="1"/>
+          </p:cNvPicPr>
+          <p:nvPr/>
+        </p:nvPicPr>
+        <p:blipFill>
+          <a:blip r:embed="rId2"/>
+          <a:stretch>
+            <a:fillRect/>
+          </a:stretch>
+        </p:blipFill>
+        <p:spPr>
+          <a:xfrm>
+            <a:off x="7048823" y="1825625"/>
+            <a:ext cx="4365937" cy="4020608"/>
+          </a:xfrm>
+          <a:prstGeom prst="rect">
+            <a:avLst/>
+          </a:prstGeom>
+        </p:spPr>
+      </p:pic>
     </p:spTree>
     <p:extLst>
       <p:ext uri="{BB962C8B-B14F-4D97-AF65-F5344CB8AC3E}">
@@ -7277,7 +7849,14 @@
           <a:bodyPr/>
           <a:lstStyle/>
           <a:p>
-            <a:endParaRPr lang="en-US"/>
+            <a:r>
+              <a:rPr lang="en-US" dirty="0" err="1"/>
+              <a:t>ArrayList</a:t>
+            </a:r>
+            <a:r>
+              <a:rPr lang="en-US" dirty="0"/>
+              <a:t> Initialization</a:t>
+            </a:r>
           </a:p>
         </p:txBody>
       </p:sp>
@@ -7297,7 +7876,12 @@
             <p:ph idx="1"/>
           </p:nvPr>
         </p:nvSpPr>
-        <p:spPr/>
+        <p:spPr>
+          <a:xfrm>
+            <a:off x="777240" y="2590800"/>
+            <a:ext cx="10659110" cy="3586163"/>
+          </a:xfrm>
+        </p:spPr>
         <p:txBody>
           <a:bodyPr>
             <a:normAutofit/>
@@ -7311,11 +7895,79 @@
             </a:pPr>
             <a:r>
               <a:rPr lang="en-US" sz="2400" dirty="0"/>
-              <a:t>hi</a:t>
-            </a:r>
-          </a:p>
-        </p:txBody>
-      </p:sp>
+              <a:t>The collections classes are generic, with type parameters wrapped inside &lt;&gt;</a:t>
+            </a:r>
+          </a:p>
+          <a:p>
+            <a:pPr>
+              <a:lnSpc>
+                <a:spcPct val="150000"/>
+              </a:lnSpc>
+            </a:pPr>
+            <a:r>
+              <a:rPr lang="en-US" sz="2400" dirty="0"/>
+              <a:t>List&lt;E&gt; and </a:t>
+            </a:r>
+            <a:r>
+              <a:rPr lang="en-US" sz="2400" dirty="0" err="1"/>
+              <a:t>ArrayList</a:t>
+            </a:r>
+            <a:r>
+              <a:rPr lang="en-US" sz="2400" dirty="0"/>
+              <a:t>&lt;E&gt; contain elements of type E</a:t>
+            </a:r>
+          </a:p>
+          <a:p>
+            <a:pPr>
+              <a:lnSpc>
+                <a:spcPct val="150000"/>
+              </a:lnSpc>
+            </a:pPr>
+            <a:r>
+              <a:rPr lang="en-US" sz="2400" dirty="0"/>
+              <a:t>E could be any object, in the example above, clowns must contain only Clown objects</a:t>
+            </a:r>
+          </a:p>
+          <a:p>
+            <a:pPr>
+              <a:lnSpc>
+                <a:spcPct val="150000"/>
+              </a:lnSpc>
+            </a:pPr>
+            <a:endParaRPr lang="en-US" sz="2400" dirty="0"/>
+          </a:p>
+        </p:txBody>
+      </p:sp>
+      <p:pic>
+        <p:nvPicPr>
+          <p:cNvPr id="4" name="Picture 3">
+            <a:extLst>
+              <a:ext uri="{FF2B5EF4-FFF2-40B4-BE49-F238E27FC236}">
+                <a16:creationId xmlns:a16="http://schemas.microsoft.com/office/drawing/2014/main" id="{7CEB2ABA-87A3-B642-BD5E-9AFC639242F6}"/>
+              </a:ext>
+            </a:extLst>
+          </p:cNvPr>
+          <p:cNvPicPr>
+            <a:picLocks noChangeAspect="1"/>
+          </p:cNvPicPr>
+          <p:nvPr/>
+        </p:nvPicPr>
+        <p:blipFill>
+          <a:blip r:embed="rId2"/>
+          <a:stretch>
+            <a:fillRect/>
+          </a:stretch>
+        </p:blipFill>
+        <p:spPr>
+          <a:xfrm>
+            <a:off x="755650" y="1690688"/>
+            <a:ext cx="6918473" cy="677333"/>
+          </a:xfrm>
+          <a:prstGeom prst="rect">
+            <a:avLst/>
+          </a:prstGeom>
+        </p:spPr>
+      </p:pic>
     </p:spTree>
     <p:extLst>
       <p:ext uri="{BB962C8B-B14F-4D97-AF65-F5344CB8AC3E}">
@@ -7351,7 +8003,7 @@
           <p:cNvPr id="2" name="Title 1">
             <a:extLst>
               <a:ext uri="{FF2B5EF4-FFF2-40B4-BE49-F238E27FC236}">
-                <a16:creationId xmlns:a16="http://schemas.microsoft.com/office/drawing/2014/main" id="{97A939ED-48A5-B64B-9904-6598E5BFB8CB}"/>
+                <a16:creationId xmlns:a16="http://schemas.microsoft.com/office/drawing/2014/main" id="{DEB5C1B2-5A30-1248-A77E-2D5F93550887}"/>
               </a:ext>
             </a:extLst>
           </p:cNvPr>
@@ -7367,7 +8019,10 @@
           <a:bodyPr/>
           <a:lstStyle/>
           <a:p>
-            <a:endParaRPr lang="en-US"/>
+            <a:r>
+              <a:rPr lang="en-US" dirty="0"/>
+              <a:t>The List &lt;E&gt; Interface</a:t>
+            </a:r>
           </a:p>
         </p:txBody>
       </p:sp>
@@ -7376,7 +8031,7 @@
           <p:cNvPr id="3" name="Content Placeholder 2">
             <a:extLst>
               <a:ext uri="{FF2B5EF4-FFF2-40B4-BE49-F238E27FC236}">
-                <a16:creationId xmlns:a16="http://schemas.microsoft.com/office/drawing/2014/main" id="{C6BFA80C-778B-A843-ADD1-B2DB35DA32ED}"/>
+                <a16:creationId xmlns:a16="http://schemas.microsoft.com/office/drawing/2014/main" id="{98DBF8E1-42C2-A649-8A7E-4A1EA399AF6D}"/>
               </a:ext>
             </a:extLst>
           </p:cNvPr>
@@ -7389,27 +8044,35 @@
         </p:nvSpPr>
         <p:spPr/>
         <p:txBody>
-          <a:bodyPr>
-            <a:normAutofit/>
-          </a:bodyPr>
-          <a:lstStyle/>
-          <a:p>
-            <a:pPr>
-              <a:lnSpc>
-                <a:spcPct val="150000"/>
-              </a:lnSpc>
-            </a:pPr>
-            <a:r>
-              <a:rPr lang="en-US" sz="2400" dirty="0"/>
-              <a:t>hi</a:t>
-            </a:r>
+          <a:bodyPr/>
+          <a:lstStyle/>
+          <a:p>
+            <a:r>
+              <a:rPr lang="en-US" sz="2800" dirty="0"/>
+              <a:t>A list of elements of type E</a:t>
+            </a:r>
+          </a:p>
+          <a:p>
+            <a:r>
+              <a:rPr lang="en-US" sz="2800" dirty="0"/>
+              <a:t>Duplicate elements are allowed</a:t>
+            </a:r>
+          </a:p>
+          <a:p>
+            <a:r>
+              <a:rPr lang="en-US" sz="2800" dirty="0"/>
+              <a:t>Elements of the list are indexed, with 0 being the index of the first element</a:t>
+            </a:r>
+          </a:p>
+          <a:p>
+            <a:endParaRPr lang="en-US" dirty="0"/>
           </a:p>
         </p:txBody>
       </p:sp>
     </p:spTree>
     <p:extLst>
       <p:ext uri="{BB962C8B-B14F-4D97-AF65-F5344CB8AC3E}">
-        <p14:creationId xmlns:p14="http://schemas.microsoft.com/office/powerpoint/2010/main" val="1638572969"/>
+        <p14:creationId xmlns:p14="http://schemas.microsoft.com/office/powerpoint/2010/main" val="2663832969"/>
       </p:ext>
     </p:extLst>
   </p:cSld>
@@ -7607,6 +8270,246 @@
           <p:cNvPr id="2" name="Title 1">
             <a:extLst>
               <a:ext uri="{FF2B5EF4-FFF2-40B4-BE49-F238E27FC236}">
+                <a16:creationId xmlns:a16="http://schemas.microsoft.com/office/drawing/2014/main" id="{83B44EFF-467F-9D4B-B2F7-444D4BFDB78E}"/>
+              </a:ext>
+            </a:extLst>
+          </p:cNvPr>
+          <p:cNvSpPr>
+            <a:spLocks noGrp="1"/>
+          </p:cNvSpPr>
+          <p:nvPr>
+            <p:ph type="title"/>
+          </p:nvPr>
+        </p:nvSpPr>
+        <p:spPr/>
+        <p:txBody>
+          <a:bodyPr/>
+          <a:lstStyle/>
+          <a:p>
+            <a:r>
+              <a:rPr lang="en-US" dirty="0"/>
+              <a:t>Methods of List&lt;E&gt;</a:t>
+            </a:r>
+          </a:p>
+        </p:txBody>
+      </p:sp>
+      <p:pic>
+        <p:nvPicPr>
+          <p:cNvPr id="4" name="Content Placeholder 3">
+            <a:extLst>
+              <a:ext uri="{FF2B5EF4-FFF2-40B4-BE49-F238E27FC236}">
+                <a16:creationId xmlns:a16="http://schemas.microsoft.com/office/drawing/2014/main" id="{C2BB1C94-2DE3-FF4D-A823-E6DF5E33E892}"/>
+              </a:ext>
+            </a:extLst>
+          </p:cNvPr>
+          <p:cNvPicPr>
+            <a:picLocks noGrp="1" noChangeAspect="1"/>
+          </p:cNvPicPr>
+          <p:nvPr>
+            <p:ph idx="1"/>
+          </p:nvPr>
+        </p:nvPicPr>
+        <p:blipFill>
+          <a:blip r:embed="rId3"/>
+          <a:stretch>
+            <a:fillRect/>
+          </a:stretch>
+        </p:blipFill>
+        <p:spPr>
+          <a:xfrm>
+            <a:off x="777240" y="1690688"/>
+            <a:ext cx="4154365" cy="857250"/>
+          </a:xfrm>
+          <a:prstGeom prst="rect">
+            <a:avLst/>
+          </a:prstGeom>
+        </p:spPr>
+      </p:pic>
+      <p:pic>
+        <p:nvPicPr>
+          <p:cNvPr id="5" name="Picture 4">
+            <a:extLst>
+              <a:ext uri="{FF2B5EF4-FFF2-40B4-BE49-F238E27FC236}">
+                <a16:creationId xmlns:a16="http://schemas.microsoft.com/office/drawing/2014/main" id="{8058803D-B1AF-EE4E-8096-3626B44BEE25}"/>
+              </a:ext>
+            </a:extLst>
+          </p:cNvPr>
+          <p:cNvPicPr>
+            <a:picLocks noChangeAspect="1"/>
+          </p:cNvPicPr>
+          <p:nvPr/>
+        </p:nvPicPr>
+        <p:blipFill>
+          <a:blip r:embed="rId4"/>
+          <a:stretch>
+            <a:fillRect/>
+          </a:stretch>
+        </p:blipFill>
+        <p:spPr>
+          <a:xfrm>
+            <a:off x="5524952" y="2720392"/>
+            <a:ext cx="2767696" cy="857251"/>
+          </a:xfrm>
+          <a:prstGeom prst="rect">
+            <a:avLst/>
+          </a:prstGeom>
+        </p:spPr>
+      </p:pic>
+      <p:pic>
+        <p:nvPicPr>
+          <p:cNvPr id="6" name="Picture 5">
+            <a:extLst>
+              <a:ext uri="{FF2B5EF4-FFF2-40B4-BE49-F238E27FC236}">
+                <a16:creationId xmlns:a16="http://schemas.microsoft.com/office/drawing/2014/main" id="{1FF02E13-A50B-104B-8871-E0C1EDD3A422}"/>
+              </a:ext>
+            </a:extLst>
+          </p:cNvPr>
+          <p:cNvPicPr>
+            <a:picLocks noChangeAspect="1"/>
+          </p:cNvPicPr>
+          <p:nvPr/>
+        </p:nvPicPr>
+        <p:blipFill>
+          <a:blip r:embed="rId5"/>
+          <a:stretch>
+            <a:fillRect/>
+          </a:stretch>
+        </p:blipFill>
+        <p:spPr>
+          <a:xfrm>
+            <a:off x="844035" y="2714981"/>
+            <a:ext cx="3722265" cy="857249"/>
+          </a:xfrm>
+          <a:prstGeom prst="rect">
+            <a:avLst/>
+          </a:prstGeom>
+        </p:spPr>
+      </p:pic>
+      <p:pic>
+        <p:nvPicPr>
+          <p:cNvPr id="7" name="Picture 6">
+            <a:extLst>
+              <a:ext uri="{FF2B5EF4-FFF2-40B4-BE49-F238E27FC236}">
+                <a16:creationId xmlns:a16="http://schemas.microsoft.com/office/drawing/2014/main" id="{5E6CED9B-7E08-6140-9A76-F86D9C33D865}"/>
+              </a:ext>
+            </a:extLst>
+          </p:cNvPr>
+          <p:cNvPicPr>
+            <a:picLocks noChangeAspect="1"/>
+          </p:cNvPicPr>
+          <p:nvPr/>
+        </p:nvPicPr>
+        <p:blipFill>
+          <a:blip r:embed="rId6"/>
+          <a:stretch>
+            <a:fillRect/>
+          </a:stretch>
+        </p:blipFill>
+        <p:spPr>
+          <a:xfrm>
+            <a:off x="777240" y="3877468"/>
+            <a:ext cx="6131560" cy="774993"/>
+          </a:xfrm>
+          <a:prstGeom prst="rect">
+            <a:avLst/>
+          </a:prstGeom>
+        </p:spPr>
+      </p:pic>
+      <p:pic>
+        <p:nvPicPr>
+          <p:cNvPr id="8" name="Picture 7">
+            <a:extLst>
+              <a:ext uri="{FF2B5EF4-FFF2-40B4-BE49-F238E27FC236}">
+                <a16:creationId xmlns:a16="http://schemas.microsoft.com/office/drawing/2014/main" id="{321112A3-37B7-3B41-80E2-914C481B79AE}"/>
+              </a:ext>
+            </a:extLst>
+          </p:cNvPr>
+          <p:cNvPicPr>
+            <a:picLocks noChangeAspect="1"/>
+          </p:cNvPicPr>
+          <p:nvPr/>
+        </p:nvPicPr>
+        <p:blipFill>
+          <a:blip r:embed="rId7"/>
+          <a:stretch>
+            <a:fillRect/>
+          </a:stretch>
+        </p:blipFill>
+        <p:spPr>
+          <a:xfrm>
+            <a:off x="844035" y="5045369"/>
+            <a:ext cx="6701401" cy="774992"/>
+          </a:xfrm>
+          <a:prstGeom prst="rect">
+            <a:avLst/>
+          </a:prstGeom>
+        </p:spPr>
+      </p:pic>
+      <p:pic>
+        <p:nvPicPr>
+          <p:cNvPr id="9" name="Picture 8">
+            <a:extLst>
+              <a:ext uri="{FF2B5EF4-FFF2-40B4-BE49-F238E27FC236}">
+                <a16:creationId xmlns:a16="http://schemas.microsoft.com/office/drawing/2014/main" id="{80CB5BE6-C079-CD4F-B851-0D1E0501DEBE}"/>
+              </a:ext>
+            </a:extLst>
+          </p:cNvPr>
+          <p:cNvPicPr>
+            <a:picLocks noChangeAspect="1"/>
+          </p:cNvPicPr>
+          <p:nvPr/>
+        </p:nvPicPr>
+        <p:blipFill>
+          <a:blip r:embed="rId8"/>
+          <a:stretch>
+            <a:fillRect/>
+          </a:stretch>
+        </p:blipFill>
+        <p:spPr>
+          <a:xfrm>
+            <a:off x="5520267" y="1818044"/>
+            <a:ext cx="4649952" cy="774992"/>
+          </a:xfrm>
+          <a:prstGeom prst="rect">
+            <a:avLst/>
+          </a:prstGeom>
+        </p:spPr>
+      </p:pic>
+    </p:spTree>
+    <p:extLst>
+      <p:ext uri="{BB962C8B-B14F-4D97-AF65-F5344CB8AC3E}">
+        <p14:creationId xmlns:p14="http://schemas.microsoft.com/office/powerpoint/2010/main" val="3022367083"/>
+      </p:ext>
+    </p:extLst>
+  </p:cSld>
+  <p:clrMapOvr>
+    <a:masterClrMapping/>
+  </p:clrMapOvr>
+</p:sld>
+</file>
+
+<file path=ppt/slides/slide21.xml><?xml version="1.0" encoding="utf-8"?>
+<p:sld xmlns:a="http://schemas.openxmlformats.org/drawingml/2006/main" xmlns:r="http://schemas.openxmlformats.org/officeDocument/2006/relationships" xmlns:p="http://schemas.openxmlformats.org/presentationml/2006/main">
+  <p:cSld>
+    <p:spTree>
+      <p:nvGrpSpPr>
+        <p:cNvPr id="1" name=""/>
+        <p:cNvGrpSpPr/>
+        <p:nvPr/>
+      </p:nvGrpSpPr>
+      <p:grpSpPr>
+        <a:xfrm>
+          <a:off x="0" y="0"/>
+          <a:ext cx="0" cy="0"/>
+          <a:chOff x="0" y="0"/>
+          <a:chExt cx="0" cy="0"/>
+        </a:xfrm>
+      </p:grpSpPr>
+      <p:sp>
+        <p:nvSpPr>
+          <p:cNvPr id="2" name="Title 1">
+            <a:extLst>
+              <a:ext uri="{FF2B5EF4-FFF2-40B4-BE49-F238E27FC236}">
                 <a16:creationId xmlns:a16="http://schemas.microsoft.com/office/drawing/2014/main" id="{97A939ED-48A5-B64B-9904-6598E5BFB8CB}"/>
               </a:ext>
             </a:extLst>
@@ -7623,7 +8526,10 @@
           <a:bodyPr/>
           <a:lstStyle/>
           <a:p>
-            <a:endParaRPr lang="en-US"/>
+            <a:r>
+              <a:rPr lang="en-US" dirty="0"/>
+              <a:t>Auto-Boxing and -Unboxing</a:t>
+            </a:r>
           </a:p>
         </p:txBody>
       </p:sp>
@@ -7657,15 +8563,488 @@
             </a:pPr>
             <a:r>
               <a:rPr lang="en-US" sz="2400" dirty="0"/>
-              <a:t>hi</a:t>
-            </a:r>
-          </a:p>
-        </p:txBody>
-      </p:sp>
+              <a:t>There are no primitive types in collections classes</a:t>
+            </a:r>
+          </a:p>
+          <a:p>
+            <a:pPr>
+              <a:lnSpc>
+                <a:spcPct val="150000"/>
+              </a:lnSpc>
+            </a:pPr>
+            <a:r>
+              <a:rPr lang="en-US" sz="2400" dirty="0"/>
+              <a:t>An </a:t>
+            </a:r>
+            <a:r>
+              <a:rPr lang="en-US" sz="2400" dirty="0" err="1"/>
+              <a:t>ArrayList</a:t>
+            </a:r>
+            <a:r>
+              <a:rPr lang="en-US" sz="2400" dirty="0"/>
+              <a:t> must contain objects, not types like double and int</a:t>
+            </a:r>
+          </a:p>
+          <a:p>
+            <a:pPr>
+              <a:lnSpc>
+                <a:spcPct val="150000"/>
+              </a:lnSpc>
+            </a:pPr>
+            <a:r>
+              <a:rPr lang="en-US" sz="2400" dirty="0"/>
+              <a:t>Therefore, numbers must be boxed (placed inside wrapper classes like Integer and Double), before we can insert them into an </a:t>
+            </a:r>
+            <a:r>
+              <a:rPr lang="en-US" sz="2400" dirty="0" err="1"/>
+              <a:t>ArrayList</a:t>
+            </a:r>
+            <a:endParaRPr lang="en-US" sz="2400" dirty="0"/>
+          </a:p>
+          <a:p>
+            <a:pPr>
+              <a:lnSpc>
+                <a:spcPct val="150000"/>
+              </a:lnSpc>
+            </a:pPr>
+            <a:r>
+              <a:rPr lang="en-US" sz="2400" dirty="0"/>
+              <a:t>Java provides auto-boxing and –unboxing of the primitive values when adding or retrieving them from an </a:t>
+            </a:r>
+            <a:r>
+              <a:rPr lang="en-US" sz="2400" dirty="0" err="1"/>
+              <a:t>ArrayList</a:t>
+            </a:r>
+            <a:endParaRPr lang="en-US" sz="2400" dirty="0"/>
+          </a:p>
+        </p:txBody>
+      </p:sp>
+    </p:spTree>
+    <p:extLst>
+      <p:ext uri="{BB962C8B-B14F-4D97-AF65-F5344CB8AC3E}">
+        <p14:creationId xmlns:p14="http://schemas.microsoft.com/office/powerpoint/2010/main" val="1638572969"/>
+      </p:ext>
+    </p:extLst>
+  </p:cSld>
+  <p:clrMapOvr>
+    <a:masterClrMapping/>
+  </p:clrMapOvr>
+</p:sld>
+</file>
+
+<file path=ppt/slides/slide22.xml><?xml version="1.0" encoding="utf-8"?>
+<p:sld xmlns:a="http://schemas.openxmlformats.org/drawingml/2006/main" xmlns:r="http://schemas.openxmlformats.org/officeDocument/2006/relationships" xmlns:p="http://schemas.openxmlformats.org/presentationml/2006/main">
+  <p:cSld>
+    <p:spTree>
+      <p:nvGrpSpPr>
+        <p:cNvPr id="1" name=""/>
+        <p:cNvGrpSpPr/>
+        <p:nvPr/>
+      </p:nvGrpSpPr>
+      <p:grpSpPr>
+        <a:xfrm>
+          <a:off x="0" y="0"/>
+          <a:ext cx="0" cy="0"/>
+          <a:chOff x="0" y="0"/>
+          <a:chExt cx="0" cy="0"/>
+        </a:xfrm>
+      </p:grpSpPr>
+      <p:sp>
+        <p:nvSpPr>
+          <p:cNvPr id="2" name="Title 1">
+            <a:extLst>
+              <a:ext uri="{FF2B5EF4-FFF2-40B4-BE49-F238E27FC236}">
+                <a16:creationId xmlns:a16="http://schemas.microsoft.com/office/drawing/2014/main" id="{97A939ED-48A5-B64B-9904-6598E5BFB8CB}"/>
+              </a:ext>
+            </a:extLst>
+          </p:cNvPr>
+          <p:cNvSpPr>
+            <a:spLocks noGrp="1"/>
+          </p:cNvSpPr>
+          <p:nvPr>
+            <p:ph type="title"/>
+          </p:nvPr>
+        </p:nvSpPr>
+        <p:spPr/>
+        <p:txBody>
+          <a:bodyPr/>
+          <a:lstStyle/>
+          <a:p>
+            <a:r>
+              <a:rPr lang="en-US" dirty="0"/>
+              <a:t>Two-dimensional Arrays</a:t>
+            </a:r>
+          </a:p>
+        </p:txBody>
+      </p:sp>
+      <p:sp>
+        <p:nvSpPr>
+          <p:cNvPr id="3" name="Content Placeholder 2">
+            <a:extLst>
+              <a:ext uri="{FF2B5EF4-FFF2-40B4-BE49-F238E27FC236}">
+                <a16:creationId xmlns:a16="http://schemas.microsoft.com/office/drawing/2014/main" id="{C6BFA80C-778B-A843-ADD1-B2DB35DA32ED}"/>
+              </a:ext>
+            </a:extLst>
+          </p:cNvPr>
+          <p:cNvSpPr>
+            <a:spLocks noGrp="1"/>
+          </p:cNvSpPr>
+          <p:nvPr>
+            <p:ph idx="1"/>
+          </p:nvPr>
+        </p:nvSpPr>
+        <p:spPr>
+          <a:xfrm>
+            <a:off x="777240" y="1825625"/>
+            <a:ext cx="10659110" cy="4896908"/>
+          </a:xfrm>
+        </p:spPr>
+        <p:txBody>
+          <a:bodyPr>
+            <a:normAutofit/>
+          </a:bodyPr>
+          <a:lstStyle/>
+          <a:p>
+            <a:pPr>
+              <a:lnSpc>
+                <a:spcPct val="150000"/>
+              </a:lnSpc>
+            </a:pPr>
+            <a:r>
+              <a:rPr lang="en-US" sz="2400" dirty="0"/>
+              <a:t>2D array = matrix</a:t>
+            </a:r>
+          </a:p>
+          <a:p>
+            <a:pPr>
+              <a:lnSpc>
+                <a:spcPct val="150000"/>
+              </a:lnSpc>
+            </a:pPr>
+            <a:r>
+              <a:rPr lang="en-US" sz="2400" dirty="0"/>
+              <a:t>3 x 4 matrix</a:t>
+            </a:r>
+          </a:p>
+          <a:p>
+            <a:pPr marL="0" indent="0">
+              <a:lnSpc>
+                <a:spcPct val="150000"/>
+              </a:lnSpc>
+              <a:buNone/>
+            </a:pPr>
+            <a:endParaRPr lang="en-US" sz="2400" dirty="0"/>
+          </a:p>
+          <a:p>
+            <a:pPr>
+              <a:lnSpc>
+                <a:spcPct val="150000"/>
+              </a:lnSpc>
+            </a:pPr>
+            <a:r>
+              <a:rPr lang="en-US" sz="2400" dirty="0"/>
+              <a:t>If </a:t>
+            </a:r>
+            <a:r>
+              <a:rPr lang="en-US" sz="2400" i="1" dirty="0"/>
+              <a:t>mat</a:t>
+            </a:r>
+            <a:r>
+              <a:rPr lang="en-US" sz="2400" dirty="0"/>
+              <a:t> is the matrix variable, the row subscripts go from 0 to 2 and the column subscripts go from 0 to 3</a:t>
+            </a:r>
+          </a:p>
+          <a:p>
+            <a:pPr>
+              <a:lnSpc>
+                <a:spcPct val="150000"/>
+              </a:lnSpc>
+            </a:pPr>
+            <a:r>
+              <a:rPr lang="en-US" sz="2400" dirty="0"/>
+              <a:t>mat[1][2] = 4, mat[0][2] = mat[2][3] = 8</a:t>
+            </a:r>
+          </a:p>
+          <a:p>
+            <a:pPr>
+              <a:lnSpc>
+                <a:spcPct val="150000"/>
+              </a:lnSpc>
+            </a:pPr>
+            <a:r>
+              <a:rPr lang="en-US" sz="2400" dirty="0"/>
+              <a:t>mat[5][5] = ?</a:t>
+            </a:r>
+          </a:p>
+        </p:txBody>
+      </p:sp>
+      <p:pic>
+        <p:nvPicPr>
+          <p:cNvPr id="4" name="Picture 3">
+            <a:extLst>
+              <a:ext uri="{FF2B5EF4-FFF2-40B4-BE49-F238E27FC236}">
+                <a16:creationId xmlns:a16="http://schemas.microsoft.com/office/drawing/2014/main" id="{8E5316D3-5FB3-1C48-9CB1-AA788AD1B6AE}"/>
+              </a:ext>
+            </a:extLst>
+          </p:cNvPr>
+          <p:cNvPicPr>
+            <a:picLocks noChangeAspect="1"/>
+          </p:cNvPicPr>
+          <p:nvPr/>
+        </p:nvPicPr>
+        <p:blipFill>
+          <a:blip r:embed="rId2"/>
+          <a:stretch>
+            <a:fillRect/>
+          </a:stretch>
+        </p:blipFill>
+        <p:spPr>
+          <a:xfrm>
+            <a:off x="4447451" y="1520825"/>
+            <a:ext cx="3297097" cy="2305050"/>
+          </a:xfrm>
+          <a:prstGeom prst="rect">
+            <a:avLst/>
+          </a:prstGeom>
+        </p:spPr>
+      </p:pic>
     </p:spTree>
     <p:extLst>
       <p:ext uri="{BB962C8B-B14F-4D97-AF65-F5344CB8AC3E}">
         <p14:creationId xmlns:p14="http://schemas.microsoft.com/office/powerpoint/2010/main" val="3081351941"/>
+      </p:ext>
+    </p:extLst>
+  </p:cSld>
+  <p:clrMapOvr>
+    <a:masterClrMapping/>
+  </p:clrMapOvr>
+</p:sld>
+</file>
+
+<file path=ppt/slides/slide23.xml><?xml version="1.0" encoding="utf-8"?>
+<p:sld xmlns:a="http://schemas.openxmlformats.org/drawingml/2006/main" xmlns:r="http://schemas.openxmlformats.org/officeDocument/2006/relationships" xmlns:p="http://schemas.openxmlformats.org/presentationml/2006/main">
+  <p:cSld>
+    <p:spTree>
+      <p:nvGrpSpPr>
+        <p:cNvPr id="1" name=""/>
+        <p:cNvGrpSpPr/>
+        <p:nvPr/>
+      </p:nvGrpSpPr>
+      <p:grpSpPr>
+        <a:xfrm>
+          <a:off x="0" y="0"/>
+          <a:ext cx="0" cy="0"/>
+          <a:chOff x="0" y="0"/>
+          <a:chExt cx="0" cy="0"/>
+        </a:xfrm>
+      </p:grpSpPr>
+      <p:sp>
+        <p:nvSpPr>
+          <p:cNvPr id="2" name="Title 1">
+            <a:extLst>
+              <a:ext uri="{FF2B5EF4-FFF2-40B4-BE49-F238E27FC236}">
+                <a16:creationId xmlns:a16="http://schemas.microsoft.com/office/drawing/2014/main" id="{97A939ED-48A5-B64B-9904-6598E5BFB8CB}"/>
+              </a:ext>
+            </a:extLst>
+          </p:cNvPr>
+          <p:cNvSpPr>
+            <a:spLocks noGrp="1"/>
+          </p:cNvSpPr>
+          <p:nvPr>
+            <p:ph type="title"/>
+          </p:nvPr>
+        </p:nvSpPr>
+        <p:spPr/>
+        <p:txBody>
+          <a:bodyPr/>
+          <a:lstStyle/>
+          <a:p>
+            <a:r>
+              <a:rPr lang="en-US" dirty="0"/>
+              <a:t>Matrix as Array of Row Arrays</a:t>
+            </a:r>
+          </a:p>
+        </p:txBody>
+      </p:sp>
+      <p:pic>
+        <p:nvPicPr>
+          <p:cNvPr id="4" name="Picture 3">
+            <a:extLst>
+              <a:ext uri="{FF2B5EF4-FFF2-40B4-BE49-F238E27FC236}">
+                <a16:creationId xmlns:a16="http://schemas.microsoft.com/office/drawing/2014/main" id="{0EE20F2D-4D06-6A47-87A8-1B3E5973AD7A}"/>
+              </a:ext>
+            </a:extLst>
+          </p:cNvPr>
+          <p:cNvPicPr>
+            <a:picLocks noChangeAspect="1"/>
+          </p:cNvPicPr>
+          <p:nvPr/>
+        </p:nvPicPr>
+        <p:blipFill>
+          <a:blip r:embed="rId2"/>
+          <a:stretch>
+            <a:fillRect/>
+          </a:stretch>
+        </p:blipFill>
+        <p:spPr>
+          <a:xfrm>
+            <a:off x="4011506" y="1690688"/>
+            <a:ext cx="2681817" cy="2049029"/>
+          </a:xfrm>
+          <a:prstGeom prst="rect">
+            <a:avLst/>
+          </a:prstGeom>
+        </p:spPr>
+      </p:pic>
+      <p:pic>
+        <p:nvPicPr>
+          <p:cNvPr id="5" name="Picture 4">
+            <a:extLst>
+              <a:ext uri="{FF2B5EF4-FFF2-40B4-BE49-F238E27FC236}">
+                <a16:creationId xmlns:a16="http://schemas.microsoft.com/office/drawing/2014/main" id="{D418ACC7-3317-B040-B24F-1A0B2F4DFEF6}"/>
+              </a:ext>
+            </a:extLst>
+          </p:cNvPr>
+          <p:cNvPicPr>
+            <a:picLocks noChangeAspect="1"/>
+          </p:cNvPicPr>
+          <p:nvPr/>
+        </p:nvPicPr>
+        <p:blipFill>
+          <a:blip r:embed="rId3"/>
+          <a:stretch>
+            <a:fillRect/>
+          </a:stretch>
+        </p:blipFill>
+        <p:spPr>
+          <a:xfrm>
+            <a:off x="1139903" y="4114896"/>
+            <a:ext cx="8425021" cy="1900767"/>
+          </a:xfrm>
+          <a:prstGeom prst="rect">
+            <a:avLst/>
+          </a:prstGeom>
+        </p:spPr>
+      </p:pic>
+    </p:spTree>
+    <p:extLst>
+      <p:ext uri="{BB962C8B-B14F-4D97-AF65-F5344CB8AC3E}">
+        <p14:creationId xmlns:p14="http://schemas.microsoft.com/office/powerpoint/2010/main" val="199124826"/>
+      </p:ext>
+    </p:extLst>
+  </p:cSld>
+  <p:clrMapOvr>
+    <a:masterClrMapping/>
+  </p:clrMapOvr>
+</p:sld>
+</file>
+
+<file path=ppt/slides/slide24.xml><?xml version="1.0" encoding="utf-8"?>
+<p:sld xmlns:a="http://schemas.openxmlformats.org/drawingml/2006/main" xmlns:r="http://schemas.openxmlformats.org/officeDocument/2006/relationships" xmlns:p="http://schemas.openxmlformats.org/presentationml/2006/main">
+  <p:cSld>
+    <p:spTree>
+      <p:nvGrpSpPr>
+        <p:cNvPr id="1" name=""/>
+        <p:cNvGrpSpPr/>
+        <p:nvPr/>
+      </p:nvGrpSpPr>
+      <p:grpSpPr>
+        <a:xfrm>
+          <a:off x="0" y="0"/>
+          <a:ext cx="0" cy="0"/>
+          <a:chOff x="0" y="0"/>
+          <a:chExt cx="0" cy="0"/>
+        </a:xfrm>
+      </p:grpSpPr>
+      <p:sp>
+        <p:nvSpPr>
+          <p:cNvPr id="2" name="Title 1">
+            <a:extLst>
+              <a:ext uri="{FF2B5EF4-FFF2-40B4-BE49-F238E27FC236}">
+                <a16:creationId xmlns:a16="http://schemas.microsoft.com/office/drawing/2014/main" id="{97A939ED-48A5-B64B-9904-6598E5BFB8CB}"/>
+              </a:ext>
+            </a:extLst>
+          </p:cNvPr>
+          <p:cNvSpPr>
+            <a:spLocks noGrp="1"/>
+          </p:cNvSpPr>
+          <p:nvPr>
+            <p:ph type="title"/>
+          </p:nvPr>
+        </p:nvSpPr>
+        <p:spPr/>
+        <p:txBody>
+          <a:bodyPr/>
+          <a:lstStyle/>
+          <a:p>
+            <a:r>
+              <a:rPr lang="en-US" dirty="0"/>
+              <a:t>Processing a 2D Array</a:t>
+            </a:r>
+          </a:p>
+        </p:txBody>
+      </p:sp>
+      <p:sp>
+        <p:nvSpPr>
+          <p:cNvPr id="3" name="Content Placeholder 2">
+            <a:extLst>
+              <a:ext uri="{FF2B5EF4-FFF2-40B4-BE49-F238E27FC236}">
+                <a16:creationId xmlns:a16="http://schemas.microsoft.com/office/drawing/2014/main" id="{C6BFA80C-778B-A843-ADD1-B2DB35DA32ED}"/>
+              </a:ext>
+            </a:extLst>
+          </p:cNvPr>
+          <p:cNvSpPr>
+            <a:spLocks noGrp="1"/>
+          </p:cNvSpPr>
+          <p:nvPr>
+            <p:ph idx="1"/>
+          </p:nvPr>
+        </p:nvSpPr>
+        <p:spPr/>
+        <p:txBody>
+          <a:bodyPr>
+            <a:normAutofit/>
+          </a:bodyPr>
+          <a:lstStyle/>
+          <a:p>
+            <a:pPr>
+              <a:lnSpc>
+                <a:spcPct val="150000"/>
+              </a:lnSpc>
+            </a:pPr>
+            <a:r>
+              <a:rPr lang="en-US" sz="2400" dirty="0"/>
+              <a:t>Row-column (for accessing elements, modifying elements that are class objects, or replacing elements)</a:t>
+            </a:r>
+          </a:p>
+          <a:p>
+            <a:pPr>
+              <a:lnSpc>
+                <a:spcPct val="150000"/>
+              </a:lnSpc>
+            </a:pPr>
+            <a:r>
+              <a:rPr lang="en-US" sz="2400" dirty="0"/>
+              <a:t>For-each loop (for accessing elements or modifying elements that are class objects, but no replacement)</a:t>
+            </a:r>
+          </a:p>
+          <a:p>
+            <a:pPr>
+              <a:lnSpc>
+                <a:spcPct val="150000"/>
+              </a:lnSpc>
+            </a:pPr>
+            <a:r>
+              <a:rPr lang="en-US" sz="2400" dirty="0"/>
+              <a:t>Row-by-row array processing (for accessing, modifying, or replacement)</a:t>
+            </a:r>
+          </a:p>
+        </p:txBody>
+      </p:sp>
+    </p:spTree>
+    <p:extLst>
+      <p:ext uri="{BB962C8B-B14F-4D97-AF65-F5344CB8AC3E}">
+        <p14:creationId xmlns:p14="http://schemas.microsoft.com/office/powerpoint/2010/main" val="1225284913"/>
       </p:ext>
     </p:extLst>
   </p:cSld>

--- a/AP_Java/Week6/Week6.pptx
+++ b/AP_Java/Week6/Week6.pptx
@@ -220,7 +220,7 @@
           <a:p>
             <a:fld id="{5A2ECADD-808A-CE4B-BB9E-A1DFB5F9BFB9}" type="datetimeFigureOut">
               <a:rPr lang="en-US" smtClean="0"/>
-              <a:t>8/25/22</a:t>
+              <a:t>10/14/22</a:t>
             </a:fld>
             <a:endParaRPr lang="en-US"/>
           </a:p>
@@ -1244,7 +1244,7 @@
           <a:p>
             <a:fld id="{C43A76A3-ADC8-4477-8FC1-B9DD55D84908}" type="datetime1">
               <a:rPr lang="en-US" smtClean="0"/>
-              <a:t>8/25/22</a:t>
+              <a:t>10/14/22</a:t>
             </a:fld>
             <a:endParaRPr lang="en-US" dirty="0"/>
           </a:p>
@@ -1442,7 +1442,7 @@
           <a:p>
             <a:fld id="{D6762538-DC4D-4667-96E5-B3278DDF8B12}" type="datetime1">
               <a:rPr lang="en-US" smtClean="0"/>
-              <a:t>8/25/22</a:t>
+              <a:t>10/14/22</a:t>
             </a:fld>
             <a:endParaRPr lang="en-US"/>
           </a:p>
@@ -1650,7 +1650,7 @@
           <a:p>
             <a:fld id="{05880548-5C08-4BE3-B63E-F2BB63B0B00C}" type="datetime1">
               <a:rPr lang="en-US" smtClean="0"/>
-              <a:t>8/25/22</a:t>
+              <a:t>10/14/22</a:t>
             </a:fld>
             <a:endParaRPr lang="en-US"/>
           </a:p>
@@ -1848,7 +1848,7 @@
           <a:p>
             <a:fld id="{DE7F49BE-398D-479A-8A7E-5DDBCA61EDCB}" type="datetime1">
               <a:rPr lang="en-US" smtClean="0"/>
-              <a:t>8/25/22</a:t>
+              <a:t>10/14/22</a:t>
             </a:fld>
             <a:endParaRPr lang="en-US"/>
           </a:p>
@@ -2124,7 +2124,7 @@
           <a:p>
             <a:fld id="{CCD0C193-4974-4A1F-9C63-07D595E30D66}" type="datetime1">
               <a:rPr lang="en-US" smtClean="0"/>
-              <a:t>8/25/22</a:t>
+              <a:t>10/14/22</a:t>
             </a:fld>
             <a:endParaRPr lang="en-US"/>
           </a:p>
@@ -2391,7 +2391,7 @@
           <a:p>
             <a:fld id="{701AA87F-28D4-4BF0-B81F-877A89DFD5AC}" type="datetime1">
               <a:rPr lang="en-US" smtClean="0"/>
-              <a:t>8/25/22</a:t>
+              <a:t>10/14/22</a:t>
             </a:fld>
             <a:endParaRPr lang="en-US"/>
           </a:p>
@@ -2805,7 +2805,7 @@
           <a:p>
             <a:fld id="{A8A9F1F3-208B-49A3-B337-9C8ACEB3E0E1}" type="datetime1">
               <a:rPr lang="en-US" smtClean="0"/>
-              <a:t>8/25/22</a:t>
+              <a:t>10/14/22</a:t>
             </a:fld>
             <a:endParaRPr lang="en-US"/>
           </a:p>
@@ -2952,7 +2952,7 @@
           <a:p>
             <a:fld id="{27AF6CA6-7293-4AA2-A0E0-A3BF4416E786}" type="datetime1">
               <a:rPr lang="en-US" smtClean="0"/>
-              <a:t>8/25/22</a:t>
+              <a:t>10/14/22</a:t>
             </a:fld>
             <a:endParaRPr lang="en-US"/>
           </a:p>
@@ -3065,7 +3065,7 @@
           <a:p>
             <a:fld id="{98D87016-7BCD-46FB-8EE3-AB6C369108B4}" type="datetime1">
               <a:rPr lang="en-US" smtClean="0"/>
-              <a:t>8/25/22</a:t>
+              <a:t>10/14/22</a:t>
             </a:fld>
             <a:endParaRPr lang="en-US"/>
           </a:p>
@@ -3384,7 +3384,7 @@
           <a:p>
             <a:fld id="{A1547011-1FFC-4EF8-9A2E-53B4AD2ADBD4}" type="datetime1">
               <a:rPr lang="en-US" smtClean="0"/>
-              <a:t>8/25/22</a:t>
+              <a:t>10/14/22</a:t>
             </a:fld>
             <a:endParaRPr lang="en-US"/>
           </a:p>
@@ -3679,7 +3679,7 @@
           <a:p>
             <a:fld id="{9562EB47-45B4-4EF5-A743-B4885DD2F060}" type="datetime1">
               <a:rPr lang="en-US" smtClean="0"/>
-              <a:t>8/25/22</a:t>
+              <a:t>10/14/22</a:t>
             </a:fld>
             <a:endParaRPr lang="en-US"/>
           </a:p>
@@ -5064,7 +5064,7 @@
           <a:p>
             <a:fld id="{4A8D24A4-5FEC-4062-8995-EB21925B3B40}" type="datetime1">
               <a:rPr lang="en-US" smtClean="0"/>
-              <a:t>8/25/22</a:t>
+              <a:t>10/14/22</a:t>
             </a:fld>
             <a:endParaRPr lang="en-US" sz="1000" dirty="0"/>
           </a:p>
@@ -5770,7 +5770,7 @@
           <p:nvPr/>
         </p:nvPicPr>
         <p:blipFill rotWithShape="1">
-          <a:blip r:embed="rId4">
+          <a:blip r:embed="rId3">
             <a:alphaModFix amt="40000"/>
           </a:blip>
           <a:srcRect t="36604" r="-1" b="-1"/>
@@ -6393,69 +6393,6 @@
           </a:p>
         </p:txBody>
       </p:sp>
-      <p:graphicFrame>
-        <p:nvGraphicFramePr>
-          <p:cNvPr id="5" name="Object 4">
-            <a:extLst>
-              <a:ext uri="{FF2B5EF4-FFF2-40B4-BE49-F238E27FC236}">
-                <a16:creationId xmlns:a16="http://schemas.microsoft.com/office/drawing/2014/main" id="{E81EAC6C-5CA3-8748-B572-3E511F656476}"/>
-              </a:ext>
-            </a:extLst>
-          </p:cNvPr>
-          <p:cNvGraphicFramePr>
-            <a:graphicFrameLocks noChangeAspect="1"/>
-          </p:cNvGraphicFramePr>
-          <p:nvPr>
-            <p:extLst>
-              <p:ext uri="{D42A27DB-BD31-4B8C-83A1-F6EECF244321}">
-                <p14:modId xmlns:p14="http://schemas.microsoft.com/office/powerpoint/2010/main" val="504567155"/>
-              </p:ext>
-            </p:extLst>
-          </p:nvPr>
-        </p:nvGraphicFramePr>
-        <p:xfrm>
-          <a:off x="2889250" y="704850"/>
-          <a:ext cx="6413500" cy="5448300"/>
-        </p:xfrm>
-        <a:graphic>
-          <a:graphicData uri="http://schemas.openxmlformats.org/presentationml/2006/ole">
-            <mc:AlternateContent xmlns:mc="http://schemas.openxmlformats.org/markup-compatibility/2006">
-              <mc:Choice xmlns:v="urn:schemas-microsoft-com:vml" Requires="v">
-                <p:oleObj spid="_x0000_s1025" name="Document" r:id="rId5" imgW="6413500" imgH="5448300" progId="Word.Document.12">
-                  <p:embed/>
-                </p:oleObj>
-              </mc:Choice>
-              <mc:Fallback>
-                <p:oleObj name="Document" r:id="rId5" imgW="6413500" imgH="5448300" progId="Word.Document.12">
-                  <p:embed/>
-                  <p:pic>
-                    <p:nvPicPr>
-                      <p:cNvPr id="0" name=""/>
-                      <p:cNvPicPr/>
-                      <p:nvPr/>
-                    </p:nvPicPr>
-                    <p:blipFill>
-                      <a:blip r:embed="rId6"/>
-                      <a:stretch>
-                        <a:fillRect/>
-                      </a:stretch>
-                    </p:blipFill>
-                    <p:spPr>
-                      <a:xfrm>
-                        <a:off x="2889250" y="704850"/>
-                        <a:ext cx="6413500" cy="5448300"/>
-                      </a:xfrm>
-                      <a:prstGeom prst="rect">
-                        <a:avLst/>
-                      </a:prstGeom>
-                    </p:spPr>
-                  </p:pic>
-                </p:oleObj>
-              </mc:Fallback>
-            </mc:AlternateContent>
-          </a:graphicData>
-        </a:graphic>
-      </p:graphicFrame>
     </p:spTree>
     <p:extLst>
       <p:ext uri="{BB962C8B-B14F-4D97-AF65-F5344CB8AC3E}">
@@ -8222,7 +8159,7 @@
             </a:pPr>
             <a:r>
               <a:rPr lang="en-US" sz="2400" dirty="0"/>
-              <a:t>If a negative index is used, or a index k where k is greater than N, then an </a:t>
+              <a:t>If a negative index is used, or an index k where k is greater than N, then an </a:t>
             </a:r>
             <a:r>
               <a:rPr lang="en-US" sz="2400" b="1" dirty="0"/>
